--- a/lectures/workshop-2/tts-module-workshop.pptx
+++ b/lectures/workshop-2/tts-module-workshop.pptx
@@ -111,6 +111,11 @@
       </a:defRPr>
     </a:lvl9pPr>
   </p:defaultTextStyle>
+  <p:extLst>
+    <p:ext uri="{EFAFB233-063F-42B5-8137-9DF3F51BA10A}">
+      <p15:sldGuideLst xmlns:p15="http://schemas.microsoft.com/office/powerpoint/2012/main"/>
+    </p:ext>
+  </p:extLst>
 </p:presentation>
 </file>
 
@@ -3858,11 +3863,11 @@
             </a:r>
             <a:r>
               <a:rPr lang="en-US" dirty="0"/>
-              <a:t>Desktop-</a:t>
+              <a:t>Web-</a:t>
             </a:r>
             <a:r>
               <a:rPr lang="ru-RU" dirty="0"/>
-              <a:t>приложения</a:t>
+              <a:t>сервиса</a:t>
             </a:r>
           </a:p>
         </p:txBody>
@@ -4231,8 +4236,8 @@
         </p:blipFill>
         <p:spPr>
           <a:xfrm>
-            <a:off x="1462088" y="1928473"/>
-            <a:ext cx="9640091" cy="4726690"/>
+            <a:off x="783060" y="1408922"/>
+            <a:ext cx="10699716" cy="5246241"/>
           </a:xfrm>
         </p:spPr>
       </p:pic>
